--- a/精雕实验室/新增高压气管线方案.pptx
+++ b/精雕实验室/新增高压气管线方案.pptx
@@ -243,7 +243,7 @@
           <a:p>
             <a:fld id="{56C612A4-00F1-4D85-BA59-19F58653B7B1}" type="datetimeFigureOut">
               <a:rPr lang="zh-CN" altLang="en-US" smtClean="0"/>
-              <a:t>2014/4/18</a:t>
+              <a:t>2014/4/22</a:t>
             </a:fld>
             <a:endParaRPr lang="zh-CN" altLang="en-US"/>
           </a:p>
@@ -413,7 +413,7 @@
           <a:p>
             <a:fld id="{56C612A4-00F1-4D85-BA59-19F58653B7B1}" type="datetimeFigureOut">
               <a:rPr lang="zh-CN" altLang="en-US" smtClean="0"/>
-              <a:t>2014/4/18</a:t>
+              <a:t>2014/4/22</a:t>
             </a:fld>
             <a:endParaRPr lang="zh-CN" altLang="en-US"/>
           </a:p>
@@ -593,7 +593,7 @@
           <a:p>
             <a:fld id="{56C612A4-00F1-4D85-BA59-19F58653B7B1}" type="datetimeFigureOut">
               <a:rPr lang="zh-CN" altLang="en-US" smtClean="0"/>
-              <a:t>2014/4/18</a:t>
+              <a:t>2014/4/22</a:t>
             </a:fld>
             <a:endParaRPr lang="zh-CN" altLang="en-US"/>
           </a:p>
@@ -763,7 +763,7 @@
           <a:p>
             <a:fld id="{56C612A4-00F1-4D85-BA59-19F58653B7B1}" type="datetimeFigureOut">
               <a:rPr lang="zh-CN" altLang="en-US" smtClean="0"/>
-              <a:t>2014/4/18</a:t>
+              <a:t>2014/4/22</a:t>
             </a:fld>
             <a:endParaRPr lang="zh-CN" altLang="en-US"/>
           </a:p>
@@ -1007,7 +1007,7 @@
           <a:p>
             <a:fld id="{56C612A4-00F1-4D85-BA59-19F58653B7B1}" type="datetimeFigureOut">
               <a:rPr lang="zh-CN" altLang="en-US" smtClean="0"/>
-              <a:t>2014/4/18</a:t>
+              <a:t>2014/4/22</a:t>
             </a:fld>
             <a:endParaRPr lang="zh-CN" altLang="en-US"/>
           </a:p>
@@ -1239,7 +1239,7 @@
           <a:p>
             <a:fld id="{56C612A4-00F1-4D85-BA59-19F58653B7B1}" type="datetimeFigureOut">
               <a:rPr lang="zh-CN" altLang="en-US" smtClean="0"/>
-              <a:t>2014/4/18</a:t>
+              <a:t>2014/4/22</a:t>
             </a:fld>
             <a:endParaRPr lang="zh-CN" altLang="en-US"/>
           </a:p>
@@ -1606,7 +1606,7 @@
           <a:p>
             <a:fld id="{56C612A4-00F1-4D85-BA59-19F58653B7B1}" type="datetimeFigureOut">
               <a:rPr lang="zh-CN" altLang="en-US" smtClean="0"/>
-              <a:t>2014/4/18</a:t>
+              <a:t>2014/4/22</a:t>
             </a:fld>
             <a:endParaRPr lang="zh-CN" altLang="en-US"/>
           </a:p>
@@ -1724,7 +1724,7 @@
           <a:p>
             <a:fld id="{56C612A4-00F1-4D85-BA59-19F58653B7B1}" type="datetimeFigureOut">
               <a:rPr lang="zh-CN" altLang="en-US" smtClean="0"/>
-              <a:t>2014/4/18</a:t>
+              <a:t>2014/4/22</a:t>
             </a:fld>
             <a:endParaRPr lang="zh-CN" altLang="en-US"/>
           </a:p>
@@ -1819,7 +1819,7 @@
           <a:p>
             <a:fld id="{56C612A4-00F1-4D85-BA59-19F58653B7B1}" type="datetimeFigureOut">
               <a:rPr lang="zh-CN" altLang="en-US" smtClean="0"/>
-              <a:t>2014/4/18</a:t>
+              <a:t>2014/4/22</a:t>
             </a:fld>
             <a:endParaRPr lang="zh-CN" altLang="en-US"/>
           </a:p>
@@ -2096,7 +2096,7 @@
           <a:p>
             <a:fld id="{56C612A4-00F1-4D85-BA59-19F58653B7B1}" type="datetimeFigureOut">
               <a:rPr lang="zh-CN" altLang="en-US" smtClean="0"/>
-              <a:t>2014/4/18</a:t>
+              <a:t>2014/4/22</a:t>
             </a:fld>
             <a:endParaRPr lang="zh-CN" altLang="en-US"/>
           </a:p>
@@ -2353,7 +2353,7 @@
           <a:p>
             <a:fld id="{56C612A4-00F1-4D85-BA59-19F58653B7B1}" type="datetimeFigureOut">
               <a:rPr lang="zh-CN" altLang="en-US" smtClean="0"/>
-              <a:t>2014/4/18</a:t>
+              <a:t>2014/4/22</a:t>
             </a:fld>
             <a:endParaRPr lang="zh-CN" altLang="en-US"/>
           </a:p>
@@ -2566,7 +2566,7 @@
           <a:p>
             <a:fld id="{56C612A4-00F1-4D85-BA59-19F58653B7B1}" type="datetimeFigureOut">
               <a:rPr lang="zh-CN" altLang="en-US" smtClean="0"/>
-              <a:t>2014/4/18</a:t>
+              <a:t>2014/4/22</a:t>
             </a:fld>
             <a:endParaRPr lang="zh-CN" altLang="en-US"/>
           </a:p>
@@ -2971,34 +2971,13 @@
           <a:chExt cx="0" cy="0"/>
         </a:xfrm>
       </p:grpSpPr>
-      <p:sp>
-        <p:nvSpPr>
-          <p:cNvPr id="13" name="Title 12"/>
-          <p:cNvSpPr>
-            <a:spLocks noGrp="1"/>
-          </p:cNvSpPr>
-          <p:nvPr>
-            <p:ph type="title"/>
-          </p:nvPr>
-        </p:nvSpPr>
-        <p:spPr/>
-        <p:txBody>
-          <a:bodyPr/>
-          <a:lstStyle/>
-          <a:p>
-            <a:endParaRPr lang="zh-CN" altLang="en-US" dirty="0"/>
-          </a:p>
-        </p:txBody>
-      </p:sp>
       <p:pic>
         <p:nvPicPr>
-          <p:cNvPr id="15" name="Content Placeholder 14" descr="AutoCAD 2010 - [基础工业训练中心-高压气管.dwg]"/>
+          <p:cNvPr id="5" name="Picture 4" descr="AutoCAD 2010 - [基础工业训练中心-高压气管.dwg]"/>
           <p:cNvPicPr>
-            <a:picLocks noGrp="1" noChangeAspect="1"/>
+            <a:picLocks noChangeAspect="1"/>
           </p:cNvPicPr>
-          <p:nvPr>
-            <p:ph idx="1"/>
-          </p:nvPr>
+          <p:nvPr/>
         </p:nvPicPr>
         <p:blipFill rotWithShape="1">
           <a:blip r:embed="rId2">
@@ -3008,14 +2987,17 @@
               </a:ext>
             </a:extLst>
           </a:blip>
-          <a:srcRect l="1104" t="20203" r="16948" b="11888"/>
+          <a:srcRect l="1032" t="18105" r="2869" b="11860"/>
           <a:stretch/>
         </p:blipFill>
         <p:spPr>
           <a:xfrm>
-            <a:off x="628650" y="365126"/>
-            <a:ext cx="7886700" cy="5033715"/>
+            <a:off x="298382" y="284228"/>
+            <a:ext cx="8556859" cy="4803007"/>
           </a:xfrm>
+          <a:prstGeom prst="rect">
+            <a:avLst/>
+          </a:prstGeom>
         </p:spPr>
       </p:pic>
       <p:sp>
@@ -3169,7 +3151,7 @@
         </p:nvGrpSpPr>
         <p:grpSpPr>
           <a:xfrm>
-            <a:off x="1900269" y="1879060"/>
+            <a:off x="1536590" y="1080163"/>
             <a:ext cx="646331" cy="392502"/>
             <a:chOff x="1900269" y="1879060"/>
             <a:chExt cx="646331" cy="392502"/>
@@ -3257,7 +3239,7 @@
         </p:nvGrpSpPr>
         <p:grpSpPr>
           <a:xfrm>
-            <a:off x="3090862" y="2685732"/>
+            <a:off x="2802104" y="3330625"/>
             <a:ext cx="646331" cy="392502"/>
             <a:chOff x="1900269" y="2156059"/>
             <a:chExt cx="646331" cy="392502"/>
@@ -3345,7 +3327,7 @@
         </p:nvGrpSpPr>
         <p:grpSpPr>
           <a:xfrm>
-            <a:off x="7240686" y="2739349"/>
+            <a:off x="6278159" y="1875314"/>
             <a:ext cx="646331" cy="392502"/>
             <a:chOff x="1900269" y="1879060"/>
             <a:chExt cx="646331" cy="392502"/>
@@ -3433,7 +3415,7 @@
         </p:nvGrpSpPr>
         <p:grpSpPr>
           <a:xfrm>
-            <a:off x="2620560" y="3796278"/>
+            <a:off x="1755889" y="4210164"/>
             <a:ext cx="646331" cy="392502"/>
             <a:chOff x="1900269" y="1879060"/>
             <a:chExt cx="646331" cy="392502"/>

--- a/精雕实验室/新增高压气管线方案.pptx
+++ b/精雕实验室/新增高压气管线方案.pptx
@@ -3083,7 +3083,7 @@
         <p:spPr>
           <a:xfrm>
             <a:off x="4180373" y="5380672"/>
-            <a:ext cx="4334977" cy="1200329"/>
+            <a:ext cx="4334977" cy="1384995"/>
           </a:xfrm>
           <a:prstGeom prst="rect">
             <a:avLst/>
@@ -3111,15 +3111,35 @@
             </a:pPr>
             <a:r>
               <a:rPr lang="zh-CN" altLang="en-US" sz="1200" dirty="0" smtClean="0"/>
-              <a:t>铺设气管约</a:t>
+              <a:t>铺设</a:t>
+            </a:r>
+            <a:r>
+              <a:rPr lang="zh-CN" altLang="en-US" sz="1200" dirty="0" smtClean="0"/>
+              <a:t>气管</a:t>
+            </a:r>
+            <a:r>
+              <a:rPr lang="zh-CN" altLang="en-US" sz="1200" dirty="0"/>
+              <a:t>总计</a:t>
+            </a:r>
+            <a:r>
+              <a:rPr lang="zh-CN" altLang="en-US" sz="1200" dirty="0" smtClean="0"/>
+              <a:t>约</a:t>
             </a:r>
             <a:r>
               <a:rPr lang="en-US" altLang="zh-CN" sz="1200" dirty="0" smtClean="0"/>
-              <a:t>105</a:t>
+              <a:t>142</a:t>
             </a:r>
             <a:r>
               <a:rPr lang="zh-CN" altLang="en-US" sz="1200" dirty="0" smtClean="0"/>
-              <a:t>米</a:t>
+              <a:t>米，算入垂直走线所需宽放长度，管线铺设长度共计约</a:t>
+            </a:r>
+            <a:r>
+              <a:rPr lang="en-US" altLang="zh-CN" sz="1200" dirty="0" smtClean="0"/>
+              <a:t>200</a:t>
+            </a:r>
+            <a:r>
+              <a:rPr lang="zh-CN" altLang="en-US" sz="1200" smtClean="0"/>
+              <a:t>米。</a:t>
             </a:r>
             <a:endParaRPr lang="en-US" altLang="zh-CN" sz="1200" dirty="0"/>
           </a:p>
